--- a/Analysis of Thematica Crtitical Mass in the UNIMORE presentazione.pptx
+++ b/Analysis of Thematica Crtitical Mass in the UNIMORE presentazione.pptx
@@ -5,10 +5,10 @@
     <p:sldMasterId id="2147483648" r:id="rId4"/>
   </p:sldMasterIdLst>
   <p:notesMasterIdLst>
-    <p:notesMasterId r:id="rId21"/>
+    <p:notesMasterId r:id="rId22"/>
   </p:notesMasterIdLst>
   <p:handoutMasterIdLst>
-    <p:handoutMasterId r:id="rId22"/>
+    <p:handoutMasterId r:id="rId23"/>
   </p:handoutMasterIdLst>
   <p:sldIdLst>
     <p:sldId id="344" r:id="rId5"/>
@@ -20,13 +20,14 @@
     <p:sldId id="349" r:id="rId11"/>
     <p:sldId id="358" r:id="rId12"/>
     <p:sldId id="350" r:id="rId13"/>
-    <p:sldId id="351" r:id="rId14"/>
-    <p:sldId id="352" r:id="rId15"/>
-    <p:sldId id="359" r:id="rId16"/>
-    <p:sldId id="360" r:id="rId17"/>
-    <p:sldId id="353" r:id="rId18"/>
-    <p:sldId id="354" r:id="rId19"/>
-    <p:sldId id="356" r:id="rId20"/>
+    <p:sldId id="361" r:id="rId14"/>
+    <p:sldId id="351" r:id="rId15"/>
+    <p:sldId id="352" r:id="rId16"/>
+    <p:sldId id="359" r:id="rId17"/>
+    <p:sldId id="360" r:id="rId18"/>
+    <p:sldId id="353" r:id="rId19"/>
+    <p:sldId id="354" r:id="rId20"/>
+    <p:sldId id="356" r:id="rId21"/>
   </p:sldIdLst>
   <p:sldSz cx="12192000" cy="6858000"/>
   <p:notesSz cx="6858000" cy="9144000"/>
@@ -162,7 +163,7 @@
 <file path=ppt/revisionInfo.xml><?xml version="1.0" encoding="utf-8"?>
 <p1510:revInfo xmlns:a="http://schemas.openxmlformats.org/drawingml/2006/main" xmlns:r="http://schemas.openxmlformats.org/officeDocument/2006/relationships" xmlns:p1510="http://schemas.microsoft.com/office/powerpoint/2015/10/main">
   <p1510:revLst>
-    <p1510:client id="{639431C2-C84F-46F0-B86E-D180D12942D9}" v="72" dt="2025-09-19T15:41:28.102"/>
+    <p1510:client id="{639431C2-C84F-46F0-B86E-D180D12942D9}" v="106" dt="2025-09-25T10:42:41.262"/>
   </p1510:revLst>
 </p1510:revInfo>
 </file>
@@ -172,10 +173,25 @@
   <pc:docChgLst>
     <pc:chgData name="Sofia Locicero" userId="41aa47d42fb4c606" providerId="LiveId" clId="{3BA6FDF3-7490-4F2E-B67C-73F838311E62}"/>
     <pc:docChg chg="undo custSel addSld delSld modSld sldOrd">
-      <pc:chgData name="Sofia Locicero" userId="41aa47d42fb4c606" providerId="LiveId" clId="{3BA6FDF3-7490-4F2E-B67C-73F838311E62}" dt="2025-09-22T09:10:51.491" v="2265" actId="113"/>
+      <pc:chgData name="Sofia Locicero" userId="41aa47d42fb4c606" providerId="LiveId" clId="{3BA6FDF3-7490-4F2E-B67C-73F838311E62}" dt="2025-09-25T10:47:57.672" v="3074" actId="113"/>
       <pc:docMkLst>
         <pc:docMk/>
       </pc:docMkLst>
+      <pc:sldChg chg="modSp mod">
+        <pc:chgData name="Sofia Locicero" userId="41aa47d42fb4c606" providerId="LiveId" clId="{3BA6FDF3-7490-4F2E-B67C-73F838311E62}" dt="2025-09-25T09:07:21.208" v="2307" actId="20577"/>
+        <pc:sldMkLst>
+          <pc:docMk/>
+          <pc:sldMk cId="810374094" sldId="345"/>
+        </pc:sldMkLst>
+        <pc:spChg chg="mod">
+          <ac:chgData name="Sofia Locicero" userId="41aa47d42fb4c606" providerId="LiveId" clId="{3BA6FDF3-7490-4F2E-B67C-73F838311E62}" dt="2025-09-25T09:07:21.208" v="2307" actId="20577"/>
+          <ac:spMkLst>
+            <pc:docMk/>
+            <pc:sldMk cId="810374094" sldId="345"/>
+            <ac:spMk id="7" creationId="{0C0D5F39-EF49-BECB-8276-8B8A46F07AC2}"/>
+          </ac:spMkLst>
+        </pc:spChg>
+      </pc:sldChg>
       <pc:sldChg chg="modSp mod">
         <pc:chgData name="Sofia Locicero" userId="41aa47d42fb4c606" providerId="LiveId" clId="{3BA6FDF3-7490-4F2E-B67C-73F838311E62}" dt="2025-09-22T09:05:59.835" v="2253" actId="20577"/>
         <pc:sldMkLst>
@@ -253,13 +269,13 @@
         </pc:graphicFrameChg>
       </pc:sldChg>
       <pc:sldChg chg="modSp mod">
-        <pc:chgData name="Sofia Locicero" userId="41aa47d42fb4c606" providerId="LiveId" clId="{3BA6FDF3-7490-4F2E-B67C-73F838311E62}" dt="2025-09-18T16:53:18.845" v="1580"/>
+        <pc:chgData name="Sofia Locicero" userId="41aa47d42fb4c606" providerId="LiveId" clId="{3BA6FDF3-7490-4F2E-B67C-73F838311E62}" dt="2025-09-25T10:32:45.721" v="3053" actId="1076"/>
         <pc:sldMkLst>
           <pc:docMk/>
           <pc:sldMk cId="485500553" sldId="350"/>
         </pc:sldMkLst>
         <pc:spChg chg="mod">
-          <ac:chgData name="Sofia Locicero" userId="41aa47d42fb4c606" providerId="LiveId" clId="{3BA6FDF3-7490-4F2E-B67C-73F838311E62}" dt="2025-09-17T12:23:38.884" v="240" actId="1076"/>
+          <ac:chgData name="Sofia Locicero" userId="41aa47d42fb4c606" providerId="LiveId" clId="{3BA6FDF3-7490-4F2E-B67C-73F838311E62}" dt="2025-09-25T09:13:33.080" v="2317" actId="207"/>
           <ac:spMkLst>
             <pc:docMk/>
             <pc:sldMk cId="485500553" sldId="350"/>
@@ -267,7 +283,7 @@
           </ac:spMkLst>
         </pc:spChg>
         <pc:spChg chg="mod">
-          <ac:chgData name="Sofia Locicero" userId="41aa47d42fb4c606" providerId="LiveId" clId="{3BA6FDF3-7490-4F2E-B67C-73F838311E62}" dt="2025-09-18T15:45:21.515" v="637" actId="1076"/>
+          <ac:chgData name="Sofia Locicero" userId="41aa47d42fb4c606" providerId="LiveId" clId="{3BA6FDF3-7490-4F2E-B67C-73F838311E62}" dt="2025-09-25T10:32:45.721" v="3053" actId="1076"/>
           <ac:spMkLst>
             <pc:docMk/>
             <pc:sldMk cId="485500553" sldId="350"/>
@@ -284,13 +300,13 @@
         </pc:graphicFrameChg>
       </pc:sldChg>
       <pc:sldChg chg="modSp mod">
-        <pc:chgData name="Sofia Locicero" userId="41aa47d42fb4c606" providerId="LiveId" clId="{3BA6FDF3-7490-4F2E-B67C-73F838311E62}" dt="2025-09-18T15:57:36.159" v="983" actId="14100"/>
+        <pc:chgData name="Sofia Locicero" userId="41aa47d42fb4c606" providerId="LiveId" clId="{3BA6FDF3-7490-4F2E-B67C-73F838311E62}" dt="2025-09-25T09:42:56.986" v="2448" actId="1076"/>
         <pc:sldMkLst>
           <pc:docMk/>
           <pc:sldMk cId="3030076204" sldId="351"/>
         </pc:sldMkLst>
         <pc:spChg chg="mod">
-          <ac:chgData name="Sofia Locicero" userId="41aa47d42fb4c606" providerId="LiveId" clId="{3BA6FDF3-7490-4F2E-B67C-73F838311E62}" dt="2025-09-18T15:57:36.159" v="983" actId="14100"/>
+          <ac:chgData name="Sofia Locicero" userId="41aa47d42fb4c606" providerId="LiveId" clId="{3BA6FDF3-7490-4F2E-B67C-73F838311E62}" dt="2025-09-23T10:00:16.080" v="2303" actId="14100"/>
           <ac:spMkLst>
             <pc:docMk/>
             <pc:sldMk cId="3030076204" sldId="351"/>
@@ -298,7 +314,7 @@
           </ac:spMkLst>
         </pc:spChg>
         <pc:spChg chg="mod">
-          <ac:chgData name="Sofia Locicero" userId="41aa47d42fb4c606" providerId="LiveId" clId="{3BA6FDF3-7490-4F2E-B67C-73F838311E62}" dt="2025-09-18T15:47:04.180" v="787" actId="14100"/>
+          <ac:chgData name="Sofia Locicero" userId="41aa47d42fb4c606" providerId="LiveId" clId="{3BA6FDF3-7490-4F2E-B67C-73F838311E62}" dt="2025-09-25T09:42:56.986" v="2448" actId="1076"/>
           <ac:spMkLst>
             <pc:docMk/>
             <pc:sldMk cId="3030076204" sldId="351"/>
@@ -322,7 +338,7 @@
         </pc:spChg>
       </pc:sldChg>
       <pc:sldChg chg="addSp delSp modSp mod ord">
-        <pc:chgData name="Sofia Locicero" userId="41aa47d42fb4c606" providerId="LiveId" clId="{3BA6FDF3-7490-4F2E-B67C-73F838311E62}" dt="2025-09-22T09:10:51.491" v="2265" actId="113"/>
+        <pc:chgData name="Sofia Locicero" userId="41aa47d42fb4c606" providerId="LiveId" clId="{3BA6FDF3-7490-4F2E-B67C-73F838311E62}" dt="2025-09-25T10:47:57.672" v="3074" actId="113"/>
         <pc:sldMkLst>
           <pc:docMk/>
           <pc:sldMk cId="2595549996" sldId="353"/>
@@ -336,7 +352,7 @@
           </ac:spMkLst>
         </pc:spChg>
         <pc:spChg chg="mod">
-          <ac:chgData name="Sofia Locicero" userId="41aa47d42fb4c606" providerId="LiveId" clId="{3BA6FDF3-7490-4F2E-B67C-73F838311E62}" dt="2025-09-22T09:10:51.491" v="2265" actId="113"/>
+          <ac:chgData name="Sofia Locicero" userId="41aa47d42fb4c606" providerId="LiveId" clId="{3BA6FDF3-7490-4F2E-B67C-73F838311E62}" dt="2025-09-25T10:47:57.672" v="3074" actId="113"/>
           <ac:spMkLst>
             <pc:docMk/>
             <pc:sldMk cId="2595549996" sldId="353"/>
@@ -383,7 +399,7 @@
         </pc:sldMkLst>
       </pc:sldChg>
       <pc:sldChg chg="modSp mod ord">
-        <pc:chgData name="Sofia Locicero" userId="41aa47d42fb4c606" providerId="LiveId" clId="{3BA6FDF3-7490-4F2E-B67C-73F838311E62}" dt="2025-09-22T09:02:14.207" v="2248" actId="20577"/>
+        <pc:chgData name="Sofia Locicero" userId="41aa47d42fb4c606" providerId="LiveId" clId="{3BA6FDF3-7490-4F2E-B67C-73F838311E62}" dt="2025-09-23T09:57:06.642" v="2300" actId="20577"/>
         <pc:sldMkLst>
           <pc:docMk/>
           <pc:sldMk cId="3303844537" sldId="356"/>
@@ -397,7 +413,7 @@
           </ac:spMkLst>
         </pc:spChg>
         <pc:spChg chg="mod">
-          <ac:chgData name="Sofia Locicero" userId="41aa47d42fb4c606" providerId="LiveId" clId="{3BA6FDF3-7490-4F2E-B67C-73F838311E62}" dt="2025-09-22T09:02:14.207" v="2248" actId="20577"/>
+          <ac:chgData name="Sofia Locicero" userId="41aa47d42fb4c606" providerId="LiveId" clId="{3BA6FDF3-7490-4F2E-B67C-73F838311E62}" dt="2025-09-23T09:57:06.642" v="2300" actId="20577"/>
           <ac:spMkLst>
             <pc:docMk/>
             <pc:sldMk cId="3303844537" sldId="356"/>
@@ -421,13 +437,13 @@
         </pc:spChg>
       </pc:sldChg>
       <pc:sldChg chg="modSp mod">
-        <pc:chgData name="Sofia Locicero" userId="41aa47d42fb4c606" providerId="LiveId" clId="{3BA6FDF3-7490-4F2E-B67C-73F838311E62}" dt="2025-09-22T09:08:04.169" v="2257" actId="20577"/>
+        <pc:chgData name="Sofia Locicero" userId="41aa47d42fb4c606" providerId="LiveId" clId="{3BA6FDF3-7490-4F2E-B67C-73F838311E62}" dt="2025-09-23T09:59:25.251" v="2302" actId="20577"/>
         <pc:sldMkLst>
           <pc:docMk/>
           <pc:sldMk cId="3856617333" sldId="358"/>
         </pc:sldMkLst>
         <pc:spChg chg="mod">
-          <ac:chgData name="Sofia Locicero" userId="41aa47d42fb4c606" providerId="LiveId" clId="{3BA6FDF3-7490-4F2E-B67C-73F838311E62}" dt="2025-09-22T09:08:04.169" v="2257" actId="20577"/>
+          <ac:chgData name="Sofia Locicero" userId="41aa47d42fb4c606" providerId="LiveId" clId="{3BA6FDF3-7490-4F2E-B67C-73F838311E62}" dt="2025-09-23T09:59:25.251" v="2302" actId="20577"/>
           <ac:spMkLst>
             <pc:docMk/>
             <pc:sldMk cId="3856617333" sldId="358"/>
@@ -444,7 +460,7 @@
         </pc:graphicFrameChg>
       </pc:sldChg>
       <pc:sldChg chg="addSp delSp modSp new mod">
-        <pc:chgData name="Sofia Locicero" userId="41aa47d42fb4c606" providerId="LiveId" clId="{3BA6FDF3-7490-4F2E-B67C-73F838311E62}" dt="2025-09-22T09:09:20.574" v="2263" actId="113"/>
+        <pc:chgData name="Sofia Locicero" userId="41aa47d42fb4c606" providerId="LiveId" clId="{3BA6FDF3-7490-4F2E-B67C-73F838311E62}" dt="2025-09-25T09:26:35.071" v="2321" actId="20577"/>
         <pc:sldMkLst>
           <pc:docMk/>
           <pc:sldMk cId="1559253506" sldId="359"/>
@@ -466,7 +482,7 @@
           </ac:spMkLst>
         </pc:spChg>
         <pc:spChg chg="add mod">
-          <ac:chgData name="Sofia Locicero" userId="41aa47d42fb4c606" providerId="LiveId" clId="{3BA6FDF3-7490-4F2E-B67C-73F838311E62}" dt="2025-09-19T14:31:03.617" v="1882" actId="20577"/>
+          <ac:chgData name="Sofia Locicero" userId="41aa47d42fb4c606" providerId="LiveId" clId="{3BA6FDF3-7490-4F2E-B67C-73F838311E62}" dt="2025-09-25T09:26:35.071" v="2321" actId="20577"/>
           <ac:spMkLst>
             <pc:docMk/>
             <pc:sldMk cId="1559253506" sldId="359"/>
@@ -475,7 +491,7 @@
         </pc:spChg>
       </pc:sldChg>
       <pc:sldChg chg="addSp delSp modSp new mod ord modClrScheme chgLayout">
-        <pc:chgData name="Sofia Locicero" userId="41aa47d42fb4c606" providerId="LiveId" clId="{3BA6FDF3-7490-4F2E-B67C-73F838311E62}" dt="2025-09-22T09:00:53.474" v="2245" actId="20577"/>
+        <pc:chgData name="Sofia Locicero" userId="41aa47d42fb4c606" providerId="LiveId" clId="{3BA6FDF3-7490-4F2E-B67C-73F838311E62}" dt="2025-09-23T09:53:36.176" v="2289" actId="20577"/>
         <pc:sldMkLst>
           <pc:docMk/>
           <pc:sldMk cId="167545527" sldId="360"/>
@@ -497,7 +513,7 @@
           </ac:spMkLst>
         </pc:spChg>
         <pc:spChg chg="add mod">
-          <ac:chgData name="Sofia Locicero" userId="41aa47d42fb4c606" providerId="LiveId" clId="{3BA6FDF3-7490-4F2E-B67C-73F838311E62}" dt="2025-09-22T09:00:53.474" v="2245" actId="20577"/>
+          <ac:chgData name="Sofia Locicero" userId="41aa47d42fb4c606" providerId="LiveId" clId="{3BA6FDF3-7490-4F2E-B67C-73F838311E62}" dt="2025-09-23T09:53:36.176" v="2289" actId="20577"/>
           <ac:spMkLst>
             <pc:docMk/>
             <pc:sldMk cId="167545527" sldId="360"/>
@@ -510,6 +526,53 @@
             <pc:docMk/>
             <pc:sldMk cId="167545527" sldId="360"/>
             <ac:graphicFrameMk id="8" creationId="{6F68B179-2E95-0DD8-E80E-53600AE48EB9}"/>
+          </ac:graphicFrameMkLst>
+        </pc:graphicFrameChg>
+      </pc:sldChg>
+      <pc:sldChg chg="addSp delSp modSp new mod ord">
+        <pc:chgData name="Sofia Locicero" userId="41aa47d42fb4c606" providerId="LiveId" clId="{3BA6FDF3-7490-4F2E-B67C-73F838311E62}" dt="2025-09-25T10:42:42.561" v="3071" actId="27636"/>
+        <pc:sldMkLst>
+          <pc:docMk/>
+          <pc:sldMk cId="2634995636" sldId="361"/>
+        </pc:sldMkLst>
+        <pc:spChg chg="mod">
+          <ac:chgData name="Sofia Locicero" userId="41aa47d42fb4c606" providerId="LiveId" clId="{3BA6FDF3-7490-4F2E-B67C-73F838311E62}" dt="2025-09-25T09:43:43.123" v="2481" actId="20577"/>
+          <ac:spMkLst>
+            <pc:docMk/>
+            <pc:sldMk cId="2634995636" sldId="361"/>
+            <ac:spMk id="2" creationId="{1160EDA7-413B-4AE4-EC73-C515D6E563FA}"/>
+          </ac:spMkLst>
+        </pc:spChg>
+        <pc:spChg chg="del">
+          <ac:chgData name="Sofia Locicero" userId="41aa47d42fb4c606" providerId="LiveId" clId="{3BA6FDF3-7490-4F2E-B67C-73F838311E62}" dt="2025-09-25T09:26:05.964" v="2320" actId="1957"/>
+          <ac:spMkLst>
+            <pc:docMk/>
+            <pc:sldMk cId="2634995636" sldId="361"/>
+            <ac:spMk id="3" creationId="{46F32B50-ACD1-5F96-3876-D2D34ABAA112}"/>
+          </ac:spMkLst>
+        </pc:spChg>
+        <pc:spChg chg="add del mod">
+          <ac:chgData name="Sofia Locicero" userId="41aa47d42fb4c606" providerId="LiveId" clId="{3BA6FDF3-7490-4F2E-B67C-73F838311E62}" dt="2025-09-25T10:42:42.561" v="3071" actId="27636"/>
+          <ac:spMkLst>
+            <pc:docMk/>
+            <pc:sldMk cId="2634995636" sldId="361"/>
+            <ac:spMk id="4" creationId="{6D885CBB-AA97-19BD-F354-53ACB2CF9942}"/>
+          </ac:spMkLst>
+        </pc:spChg>
+        <pc:spChg chg="add mod">
+          <ac:chgData name="Sofia Locicero" userId="41aa47d42fb4c606" providerId="LiveId" clId="{3BA6FDF3-7490-4F2E-B67C-73F838311E62}" dt="2025-09-25T09:28:23.459" v="2388"/>
+          <ac:spMkLst>
+            <pc:docMk/>
+            <pc:sldMk cId="2634995636" sldId="361"/>
+            <ac:spMk id="9" creationId="{2AFC77F1-2D8A-F29D-BE40-327752A65D20}"/>
+          </ac:spMkLst>
+        </pc:spChg>
+        <pc:graphicFrameChg chg="add mod">
+          <ac:chgData name="Sofia Locicero" userId="41aa47d42fb4c606" providerId="LiveId" clId="{3BA6FDF3-7490-4F2E-B67C-73F838311E62}" dt="2025-09-25T10:08:30.264" v="2504"/>
+          <ac:graphicFrameMkLst>
+            <pc:docMk/>
+            <pc:sldMk cId="2634995636" sldId="361"/>
+            <ac:graphicFrameMk id="8" creationId="{B6406807-A585-CD71-AE85-C57E5D073677}"/>
           </ac:graphicFrameMkLst>
         </pc:graphicFrameChg>
       </pc:sldChg>
@@ -2277,6 +2340,466 @@
     </mc:Fallback>
   </mc:AlternateContent>
   <c:chart>
+    <c:autoTitleDeleted val="1"/>
+    <c:plotArea>
+      <c:layout>
+        <c:manualLayout>
+          <c:layoutTarget val="inner"/>
+          <c:xMode val="edge"/>
+          <c:yMode val="edge"/>
+          <c:x val="0.24436766832717338"/>
+          <c:y val="4.2090129879613317E-2"/>
+          <c:w val="0.75504901173067651"/>
+          <c:h val="0.50473237369983781"/>
+        </c:manualLayout>
+      </c:layout>
+      <c:barChart>
+        <c:barDir val="col"/>
+        <c:grouping val="clustered"/>
+        <c:varyColors val="0"/>
+        <c:ser>
+          <c:idx val="0"/>
+          <c:order val="0"/>
+          <c:tx>
+            <c:strRef>
+              <c:f>Foglio1!$B$1</c:f>
+              <c:strCache>
+                <c:ptCount val="1"/>
+                <c:pt idx="0">
+                  <c:v>Collaborazioni internazionali</c:v>
+                </c:pt>
+              </c:strCache>
+            </c:strRef>
+          </c:tx>
+          <c:spPr>
+            <a:solidFill>
+              <a:schemeClr val="accent2"/>
+            </a:solidFill>
+            <a:ln>
+              <a:noFill/>
+            </a:ln>
+            <a:effectLst/>
+          </c:spPr>
+          <c:invertIfNegative val="0"/>
+          <c:cat>
+            <c:strRef>
+              <c:f>Foglio1!$A$2:$A$6</c:f>
+              <c:strCache>
+                <c:ptCount val="5"/>
+                <c:pt idx="0">
+                  <c:v>Nuclear and High Energy Physics</c:v>
+                </c:pt>
+                <c:pt idx="1">
+                  <c:v>Physics and Astronomy</c:v>
+                </c:pt>
+                <c:pt idx="2">
+                  <c:v>Nature and Landscape Conservation</c:v>
+                </c:pt>
+                <c:pt idx="3">
+                  <c:v>Trasportation</c:v>
+                </c:pt>
+                <c:pt idx="4">
+                  <c:v>Mathematical Physics</c:v>
+                </c:pt>
+              </c:strCache>
+            </c:strRef>
+          </c:cat>
+          <c:val>
+            <c:numRef>
+              <c:f>Foglio1!$B$2:$B$6</c:f>
+              <c:numCache>
+                <c:formatCode>0%</c:formatCode>
+                <c:ptCount val="5"/>
+                <c:pt idx="0">
+                  <c:v>0.92569999999999997</c:v>
+                </c:pt>
+                <c:pt idx="1">
+                  <c:v>0.85260000000000002</c:v>
+                </c:pt>
+                <c:pt idx="2">
+                  <c:v>0.83299999999999996</c:v>
+                </c:pt>
+                <c:pt idx="3">
+                  <c:v>0.79</c:v>
+                </c:pt>
+                <c:pt idx="4">
+                  <c:v>0.68400000000000005</c:v>
+                </c:pt>
+              </c:numCache>
+            </c:numRef>
+          </c:val>
+          <c:extLst>
+            <c:ext xmlns:c16="http://schemas.microsoft.com/office/drawing/2014/chart" uri="{C3380CC4-5D6E-409C-BE32-E72D297353CC}">
+              <c16:uniqueId val="{00000000-3F41-49DB-986C-043C0816A864}"/>
+            </c:ext>
+          </c:extLst>
+        </c:ser>
+        <c:dLbls>
+          <c:showLegendKey val="0"/>
+          <c:showVal val="0"/>
+          <c:showCatName val="0"/>
+          <c:showSerName val="0"/>
+          <c:showPercent val="0"/>
+          <c:showBubbleSize val="0"/>
+        </c:dLbls>
+        <c:gapWidth val="219"/>
+        <c:axId val="1438935456"/>
+        <c:axId val="1438937856"/>
+      </c:barChart>
+      <c:scatterChart>
+        <c:scatterStyle val="lineMarker"/>
+        <c:varyColors val="0"/>
+        <c:ser>
+          <c:idx val="1"/>
+          <c:order val="1"/>
+          <c:tx>
+            <c:strRef>
+              <c:f>Foglio1!$C$1</c:f>
+              <c:strCache>
+                <c:ptCount val="1"/>
+                <c:pt idx="0">
+                  <c:v>Pubblicazioni Totali</c:v>
+                </c:pt>
+              </c:strCache>
+            </c:strRef>
+          </c:tx>
+          <c:spPr>
+            <a:ln w="25400" cap="rnd">
+              <a:noFill/>
+              <a:round/>
+            </a:ln>
+            <a:effectLst/>
+          </c:spPr>
+          <c:marker>
+            <c:symbol val="circle"/>
+            <c:size val="5"/>
+            <c:spPr>
+              <a:solidFill>
+                <a:schemeClr val="accent4"/>
+              </a:solidFill>
+              <a:ln w="9525">
+                <a:solidFill>
+                  <a:schemeClr val="accent4"/>
+                </a:solidFill>
+              </a:ln>
+              <a:effectLst/>
+            </c:spPr>
+          </c:marker>
+          <c:xVal>
+            <c:strRef>
+              <c:f>Foglio1!$A$2:$A$6</c:f>
+              <c:strCache>
+                <c:ptCount val="5"/>
+                <c:pt idx="0">
+                  <c:v>Nuclear and High Energy Physics</c:v>
+                </c:pt>
+                <c:pt idx="1">
+                  <c:v>Physics and Astronomy</c:v>
+                </c:pt>
+                <c:pt idx="2">
+                  <c:v>Nature and Landscape Conservation</c:v>
+                </c:pt>
+                <c:pt idx="3">
+                  <c:v>Trasportation</c:v>
+                </c:pt>
+                <c:pt idx="4">
+                  <c:v>Mathematical Physics</c:v>
+                </c:pt>
+              </c:strCache>
+            </c:strRef>
+          </c:xVal>
+          <c:yVal>
+            <c:numRef>
+              <c:f>Foglio1!$C$2:$C$6</c:f>
+              <c:numCache>
+                <c:formatCode>General</c:formatCode>
+                <c:ptCount val="5"/>
+                <c:pt idx="0">
+                  <c:v>229</c:v>
+                </c:pt>
+                <c:pt idx="1">
+                  <c:v>95</c:v>
+                </c:pt>
+                <c:pt idx="2">
+                  <c:v>12</c:v>
+                </c:pt>
+                <c:pt idx="3">
+                  <c:v>29</c:v>
+                </c:pt>
+                <c:pt idx="4">
+                  <c:v>57</c:v>
+                </c:pt>
+              </c:numCache>
+            </c:numRef>
+          </c:yVal>
+          <c:smooth val="0"/>
+          <c:extLst>
+            <c:ext xmlns:c16="http://schemas.microsoft.com/office/drawing/2014/chart" uri="{C3380CC4-5D6E-409C-BE32-E72D297353CC}">
+              <c16:uniqueId val="{00000003-3F41-49DB-986C-043C0816A864}"/>
+            </c:ext>
+          </c:extLst>
+        </c:ser>
+        <c:dLbls>
+          <c:showLegendKey val="0"/>
+          <c:showVal val="0"/>
+          <c:showCatName val="0"/>
+          <c:showSerName val="0"/>
+          <c:showPercent val="0"/>
+          <c:showBubbleSize val="0"/>
+        </c:dLbls>
+        <c:axId val="1222629616"/>
+        <c:axId val="1222629136"/>
+      </c:scatterChart>
+      <c:catAx>
+        <c:axId val="1438935456"/>
+        <c:scaling>
+          <c:orientation val="minMax"/>
+        </c:scaling>
+        <c:delete val="0"/>
+        <c:axPos val="b"/>
+        <c:numFmt formatCode="General" sourceLinked="1"/>
+        <c:majorTickMark val="none"/>
+        <c:minorTickMark val="none"/>
+        <c:tickLblPos val="nextTo"/>
+        <c:spPr>
+          <a:noFill/>
+          <a:ln w="9525" cap="flat" cmpd="sng" algn="ctr">
+            <a:solidFill>
+              <a:schemeClr val="tx1">
+                <a:lumMod val="15000"/>
+                <a:lumOff val="85000"/>
+              </a:schemeClr>
+            </a:solidFill>
+            <a:round/>
+          </a:ln>
+          <a:effectLst/>
+        </c:spPr>
+        <c:txPr>
+          <a:bodyPr rot="-60000000" spcFirstLastPara="1" vertOverflow="ellipsis" vert="horz" wrap="square" anchor="ctr" anchorCtr="1"/>
+          <a:lstStyle/>
+          <a:p>
+            <a:pPr>
+              <a:defRPr sz="900" b="0" i="0" u="none" strike="noStrike" kern="1200" baseline="0">
+                <a:solidFill>
+                  <a:schemeClr val="tx1">
+                    <a:lumMod val="65000"/>
+                    <a:lumOff val="35000"/>
+                  </a:schemeClr>
+                </a:solidFill>
+                <a:latin typeface="Times New Roman" panose="02020603050405020304" pitchFamily="18" charset="0"/>
+                <a:ea typeface="+mn-ea"/>
+                <a:cs typeface="Times New Roman" panose="02020603050405020304" pitchFamily="18" charset="0"/>
+              </a:defRPr>
+            </a:pPr>
+            <a:endParaRPr lang="it-IT"/>
+          </a:p>
+        </c:txPr>
+        <c:crossAx val="1438937856"/>
+        <c:crosses val="autoZero"/>
+        <c:auto val="1"/>
+        <c:lblAlgn val="ctr"/>
+        <c:lblOffset val="100"/>
+        <c:noMultiLvlLbl val="0"/>
+      </c:catAx>
+      <c:valAx>
+        <c:axId val="1438937856"/>
+        <c:scaling>
+          <c:orientation val="minMax"/>
+        </c:scaling>
+        <c:delete val="0"/>
+        <c:axPos val="l"/>
+        <c:majorGridlines>
+          <c:spPr>
+            <a:ln w="9525" cap="flat" cmpd="sng" algn="ctr">
+              <a:solidFill>
+                <a:schemeClr val="tx1">
+                  <a:lumMod val="15000"/>
+                  <a:lumOff val="85000"/>
+                </a:schemeClr>
+              </a:solidFill>
+              <a:round/>
+            </a:ln>
+            <a:effectLst/>
+          </c:spPr>
+        </c:majorGridlines>
+        <c:numFmt formatCode="0%" sourceLinked="1"/>
+        <c:majorTickMark val="none"/>
+        <c:minorTickMark val="none"/>
+        <c:tickLblPos val="nextTo"/>
+        <c:spPr>
+          <a:noFill/>
+          <a:ln>
+            <a:noFill/>
+          </a:ln>
+          <a:effectLst/>
+        </c:spPr>
+        <c:txPr>
+          <a:bodyPr rot="-60000000" spcFirstLastPara="1" vertOverflow="ellipsis" vert="horz" wrap="square" anchor="ctr" anchorCtr="1"/>
+          <a:lstStyle/>
+          <a:p>
+            <a:pPr>
+              <a:defRPr sz="1197" b="0" i="0" u="none" strike="noStrike" kern="1200" baseline="0">
+                <a:solidFill>
+                  <a:schemeClr val="tx1">
+                    <a:lumMod val="65000"/>
+                    <a:lumOff val="35000"/>
+                  </a:schemeClr>
+                </a:solidFill>
+                <a:latin typeface="+mn-lt"/>
+                <a:ea typeface="+mn-ea"/>
+                <a:cs typeface="+mn-cs"/>
+              </a:defRPr>
+            </a:pPr>
+            <a:endParaRPr lang="it-IT"/>
+          </a:p>
+        </c:txPr>
+        <c:crossAx val="1438935456"/>
+        <c:crosses val="autoZero"/>
+        <c:crossBetween val="between"/>
+      </c:valAx>
+      <c:valAx>
+        <c:axId val="1222629136"/>
+        <c:scaling>
+          <c:orientation val="minMax"/>
+        </c:scaling>
+        <c:delete val="0"/>
+        <c:axPos val="r"/>
+        <c:numFmt formatCode="General" sourceLinked="1"/>
+        <c:majorTickMark val="out"/>
+        <c:minorTickMark val="none"/>
+        <c:tickLblPos val="nextTo"/>
+        <c:spPr>
+          <a:noFill/>
+          <a:ln>
+            <a:noFill/>
+          </a:ln>
+          <a:effectLst/>
+        </c:spPr>
+        <c:txPr>
+          <a:bodyPr rot="-60000000" spcFirstLastPara="1" vertOverflow="ellipsis" vert="horz" wrap="square" anchor="ctr" anchorCtr="1"/>
+          <a:lstStyle/>
+          <a:p>
+            <a:pPr>
+              <a:defRPr sz="1197" b="0" i="0" u="none" strike="noStrike" kern="1200" baseline="0">
+                <a:solidFill>
+                  <a:schemeClr val="tx1">
+                    <a:lumMod val="65000"/>
+                    <a:lumOff val="35000"/>
+                  </a:schemeClr>
+                </a:solidFill>
+                <a:latin typeface="+mn-lt"/>
+                <a:ea typeface="+mn-ea"/>
+                <a:cs typeface="+mn-cs"/>
+              </a:defRPr>
+            </a:pPr>
+            <a:endParaRPr lang="it-IT"/>
+          </a:p>
+        </c:txPr>
+        <c:crossAx val="1222629616"/>
+        <c:crosses val="max"/>
+        <c:crossBetween val="midCat"/>
+      </c:valAx>
+      <c:valAx>
+        <c:axId val="1222629616"/>
+        <c:scaling>
+          <c:orientation val="minMax"/>
+        </c:scaling>
+        <c:delete val="1"/>
+        <c:axPos val="b"/>
+        <c:numFmt formatCode="General" sourceLinked="1"/>
+        <c:majorTickMark val="out"/>
+        <c:minorTickMark val="none"/>
+        <c:tickLblPos val="nextTo"/>
+        <c:crossAx val="1222629136"/>
+        <c:crossBetween val="midCat"/>
+      </c:valAx>
+      <c:spPr>
+        <a:noFill/>
+        <a:ln>
+          <a:noFill/>
+        </a:ln>
+        <a:effectLst/>
+      </c:spPr>
+    </c:plotArea>
+    <c:legend>
+      <c:legendPos val="b"/>
+      <c:overlay val="0"/>
+      <c:spPr>
+        <a:noFill/>
+        <a:ln>
+          <a:noFill/>
+        </a:ln>
+        <a:effectLst/>
+      </c:spPr>
+      <c:txPr>
+        <a:bodyPr rot="0" spcFirstLastPara="1" vertOverflow="ellipsis" vert="horz" wrap="square" anchor="ctr" anchorCtr="1"/>
+        <a:lstStyle/>
+        <a:p>
+          <a:pPr>
+            <a:defRPr sz="1197" b="0" i="0" u="none" strike="noStrike" kern="1200" baseline="0">
+              <a:solidFill>
+                <a:schemeClr val="tx1">
+                  <a:lumMod val="65000"/>
+                  <a:lumOff val="35000"/>
+                </a:schemeClr>
+              </a:solidFill>
+              <a:latin typeface="+mn-lt"/>
+              <a:ea typeface="+mn-ea"/>
+              <a:cs typeface="+mn-cs"/>
+            </a:defRPr>
+          </a:pPr>
+          <a:endParaRPr lang="it-IT"/>
+        </a:p>
+      </c:txPr>
+    </c:legend>
+    <c:plotVisOnly val="1"/>
+    <c:dispBlanksAs val="gap"/>
+    <c:showDLblsOverMax val="0"/>
+    <c:extLst>
+      <c:ext xmlns:c16r3="http://schemas.microsoft.com/office/drawing/2017/03/chart" uri="{56B9EC1D-385E-4148-901F-78D8002777C0}">
+        <c16r3:dataDisplayOptions16>
+          <c16r3:dispNaAsBlank val="1"/>
+        </c16r3:dataDisplayOptions16>
+      </c:ext>
+    </c:extLst>
+  </c:chart>
+  <c:spPr>
+    <a:noFill/>
+    <a:ln>
+      <a:noFill/>
+    </a:ln>
+    <a:effectLst/>
+  </c:spPr>
+  <c:txPr>
+    <a:bodyPr/>
+    <a:lstStyle/>
+    <a:p>
+      <a:pPr>
+        <a:defRPr/>
+      </a:pPr>
+      <a:endParaRPr lang="it-IT"/>
+    </a:p>
+  </c:txPr>
+  <c:externalData r:id="rId3">
+    <c:autoUpdate val="0"/>
+  </c:externalData>
+</c:chartSpace>
+</file>
+
+<file path=ppt/charts/chart5.xml><?xml version="1.0" encoding="utf-8"?>
+<c:chartSpace xmlns:c="http://schemas.openxmlformats.org/drawingml/2006/chart" xmlns:a="http://schemas.openxmlformats.org/drawingml/2006/main" xmlns:r="http://schemas.openxmlformats.org/officeDocument/2006/relationships" xmlns:c16r2="http://schemas.microsoft.com/office/drawing/2015/06/chart">
+  <c:date1904 val="0"/>
+  <c:lang val="it-IT"/>
+  <c:roundedCorners val="0"/>
+  <mc:AlternateContent xmlns:mc="http://schemas.openxmlformats.org/markup-compatibility/2006">
+    <mc:Choice xmlns:c14="http://schemas.microsoft.com/office/drawing/2007/8/2/chart" Requires="c14">
+      <c14:style val="102"/>
+    </mc:Choice>
+    <mc:Fallback>
+      <c:style val="2"/>
+    </mc:Fallback>
+  </mc:AlternateContent>
+  <c:chart>
     <c:title>
       <c:tx>
         <c:rich>
@@ -3054,6 +3577,43 @@
 </file>
 
 <file path=ppt/charts/colors4.xml><?xml version="1.0" encoding="utf-8"?>
+<cs:colorStyle xmlns:cs="http://schemas.microsoft.com/office/drawing/2012/chartStyle" xmlns:a="http://schemas.openxmlformats.org/drawingml/2006/main" meth="cycle" id="12">
+  <a:schemeClr val="accent2"/>
+  <a:schemeClr val="accent4"/>
+  <a:schemeClr val="accent6"/>
+  <cs:variation/>
+  <cs:variation>
+    <a:lumMod val="60000"/>
+  </cs:variation>
+  <cs:variation>
+    <a:lumMod val="80000"/>
+    <a:lumOff val="20000"/>
+  </cs:variation>
+  <cs:variation>
+    <a:lumMod val="80000"/>
+  </cs:variation>
+  <cs:variation>
+    <a:lumMod val="60000"/>
+    <a:lumOff val="40000"/>
+  </cs:variation>
+  <cs:variation>
+    <a:lumMod val="50000"/>
+  </cs:variation>
+  <cs:variation>
+    <a:lumMod val="70000"/>
+    <a:lumOff val="30000"/>
+  </cs:variation>
+  <cs:variation>
+    <a:lumMod val="70000"/>
+  </cs:variation>
+  <cs:variation>
+    <a:lumMod val="50000"/>
+    <a:lumOff val="50000"/>
+  </cs:variation>
+</cs:colorStyle>
+</file>
+
+<file path=ppt/charts/colors5.xml><?xml version="1.0" encoding="utf-8"?>
 <cs:colorStyle xmlns:cs="http://schemas.microsoft.com/office/drawing/2012/chartStyle" xmlns:a="http://schemas.openxmlformats.org/drawingml/2006/main" meth="cycle" id="10">
   <a:schemeClr val="accent1"/>
   <a:schemeClr val="accent2"/>
@@ -4603,6 +5163,509 @@
 </file>
 
 <file path=ppt/charts/style4.xml><?xml version="1.0" encoding="utf-8"?>
+<cs:chartStyle xmlns:cs="http://schemas.microsoft.com/office/drawing/2012/chartStyle" xmlns:a="http://schemas.openxmlformats.org/drawingml/2006/main" id="201">
+  <cs:axisTitle>
+    <cs:lnRef idx="0"/>
+    <cs:fillRef idx="0"/>
+    <cs:effectRef idx="0"/>
+    <cs:fontRef idx="minor">
+      <a:schemeClr val="tx1">
+        <a:lumMod val="65000"/>
+        <a:lumOff val="35000"/>
+      </a:schemeClr>
+    </cs:fontRef>
+    <cs:defRPr sz="1330" kern="1200"/>
+  </cs:axisTitle>
+  <cs:categoryAxis>
+    <cs:lnRef idx="0"/>
+    <cs:fillRef idx="0"/>
+    <cs:effectRef idx="0"/>
+    <cs:fontRef idx="minor">
+      <a:schemeClr val="tx1">
+        <a:lumMod val="65000"/>
+        <a:lumOff val="35000"/>
+      </a:schemeClr>
+    </cs:fontRef>
+    <cs:spPr>
+      <a:ln w="9525" cap="flat" cmpd="sng" algn="ctr">
+        <a:solidFill>
+          <a:schemeClr val="tx1">
+            <a:lumMod val="15000"/>
+            <a:lumOff val="85000"/>
+          </a:schemeClr>
+        </a:solidFill>
+        <a:round/>
+      </a:ln>
+    </cs:spPr>
+    <cs:defRPr sz="1197" kern="1200"/>
+  </cs:categoryAxis>
+  <cs:chartArea mods="allowNoFillOverride allowNoLineOverride">
+    <cs:lnRef idx="0"/>
+    <cs:fillRef idx="0"/>
+    <cs:effectRef idx="0"/>
+    <cs:fontRef idx="minor">
+      <a:schemeClr val="tx1"/>
+    </cs:fontRef>
+    <cs:spPr>
+      <a:solidFill>
+        <a:schemeClr val="bg1"/>
+      </a:solidFill>
+      <a:ln w="9525" cap="flat" cmpd="sng" algn="ctr">
+        <a:solidFill>
+          <a:schemeClr val="tx1">
+            <a:lumMod val="15000"/>
+            <a:lumOff val="85000"/>
+          </a:schemeClr>
+        </a:solidFill>
+        <a:round/>
+      </a:ln>
+    </cs:spPr>
+    <cs:defRPr sz="1330" kern="1200"/>
+  </cs:chartArea>
+  <cs:dataLabel>
+    <cs:lnRef idx="0"/>
+    <cs:fillRef idx="0"/>
+    <cs:effectRef idx="0"/>
+    <cs:fontRef idx="minor">
+      <a:schemeClr val="tx1">
+        <a:lumMod val="75000"/>
+        <a:lumOff val="25000"/>
+      </a:schemeClr>
+    </cs:fontRef>
+    <cs:defRPr sz="1197" kern="1200"/>
+  </cs:dataLabel>
+  <cs:dataLabelCallout>
+    <cs:lnRef idx="0"/>
+    <cs:fillRef idx="0"/>
+    <cs:effectRef idx="0"/>
+    <cs:fontRef idx="minor">
+      <a:schemeClr val="dk1">
+        <a:lumMod val="65000"/>
+        <a:lumOff val="35000"/>
+      </a:schemeClr>
+    </cs:fontRef>
+    <cs:spPr>
+      <a:solidFill>
+        <a:schemeClr val="lt1"/>
+      </a:solidFill>
+      <a:ln>
+        <a:solidFill>
+          <a:schemeClr val="dk1">
+            <a:lumMod val="25000"/>
+            <a:lumOff val="75000"/>
+          </a:schemeClr>
+        </a:solidFill>
+      </a:ln>
+    </cs:spPr>
+    <cs:defRPr sz="1197" kern="1200"/>
+    <cs:bodyPr rot="0" spcFirstLastPara="1" vertOverflow="clip" horzOverflow="clip" vert="horz" wrap="square" lIns="36576" tIns="18288" rIns="36576" bIns="18288" anchor="ctr" anchorCtr="1">
+      <a:spAutoFit/>
+    </cs:bodyPr>
+  </cs:dataLabelCallout>
+  <cs:dataPoint>
+    <cs:lnRef idx="0"/>
+    <cs:fillRef idx="1">
+      <cs:styleClr val="auto"/>
+    </cs:fillRef>
+    <cs:effectRef idx="0"/>
+    <cs:fontRef idx="minor">
+      <a:schemeClr val="tx1"/>
+    </cs:fontRef>
+  </cs:dataPoint>
+  <cs:dataPoint3D>
+    <cs:lnRef idx="0"/>
+    <cs:fillRef idx="1">
+      <cs:styleClr val="auto"/>
+    </cs:fillRef>
+    <cs:effectRef idx="0"/>
+    <cs:fontRef idx="minor">
+      <a:schemeClr val="tx1"/>
+    </cs:fontRef>
+  </cs:dataPoint3D>
+  <cs:dataPointLine>
+    <cs:lnRef idx="0">
+      <cs:styleClr val="auto"/>
+    </cs:lnRef>
+    <cs:fillRef idx="1"/>
+    <cs:effectRef idx="0"/>
+    <cs:fontRef idx="minor">
+      <a:schemeClr val="tx1"/>
+    </cs:fontRef>
+    <cs:spPr>
+      <a:ln w="28575" cap="rnd">
+        <a:solidFill>
+          <a:schemeClr val="phClr"/>
+        </a:solidFill>
+        <a:round/>
+      </a:ln>
+    </cs:spPr>
+  </cs:dataPointLine>
+  <cs:dataPointMarker>
+    <cs:lnRef idx="0">
+      <cs:styleClr val="auto"/>
+    </cs:lnRef>
+    <cs:fillRef idx="1">
+      <cs:styleClr val="auto"/>
+    </cs:fillRef>
+    <cs:effectRef idx="0"/>
+    <cs:fontRef idx="minor">
+      <a:schemeClr val="tx1"/>
+    </cs:fontRef>
+    <cs:spPr>
+      <a:ln w="9525">
+        <a:solidFill>
+          <a:schemeClr val="phClr"/>
+        </a:solidFill>
+      </a:ln>
+    </cs:spPr>
+  </cs:dataPointMarker>
+  <cs:dataPointMarkerLayout symbol="circle" size="5"/>
+  <cs:dataPointWireframe>
+    <cs:lnRef idx="0">
+      <cs:styleClr val="auto"/>
+    </cs:lnRef>
+    <cs:fillRef idx="1"/>
+    <cs:effectRef idx="0"/>
+    <cs:fontRef idx="minor">
+      <a:schemeClr val="tx1"/>
+    </cs:fontRef>
+    <cs:spPr>
+      <a:ln w="9525" cap="rnd">
+        <a:solidFill>
+          <a:schemeClr val="phClr"/>
+        </a:solidFill>
+        <a:round/>
+      </a:ln>
+    </cs:spPr>
+  </cs:dataPointWireframe>
+  <cs:dataTable>
+    <cs:lnRef idx="0"/>
+    <cs:fillRef idx="0"/>
+    <cs:effectRef idx="0"/>
+    <cs:fontRef idx="minor">
+      <a:schemeClr val="tx1">
+        <a:lumMod val="65000"/>
+        <a:lumOff val="35000"/>
+      </a:schemeClr>
+    </cs:fontRef>
+    <cs:spPr>
+      <a:noFill/>
+      <a:ln w="9525" cap="flat" cmpd="sng" algn="ctr">
+        <a:solidFill>
+          <a:schemeClr val="tx1">
+            <a:lumMod val="15000"/>
+            <a:lumOff val="85000"/>
+          </a:schemeClr>
+        </a:solidFill>
+        <a:round/>
+      </a:ln>
+    </cs:spPr>
+    <cs:defRPr sz="1197" kern="1200"/>
+  </cs:dataTable>
+  <cs:downBar>
+    <cs:lnRef idx="0"/>
+    <cs:fillRef idx="0"/>
+    <cs:effectRef idx="0"/>
+    <cs:fontRef idx="minor">
+      <a:schemeClr val="dk1"/>
+    </cs:fontRef>
+    <cs:spPr>
+      <a:solidFill>
+        <a:schemeClr val="dk1">
+          <a:lumMod val="65000"/>
+          <a:lumOff val="35000"/>
+        </a:schemeClr>
+      </a:solidFill>
+      <a:ln w="9525">
+        <a:solidFill>
+          <a:schemeClr val="tx1">
+            <a:lumMod val="65000"/>
+            <a:lumOff val="35000"/>
+          </a:schemeClr>
+        </a:solidFill>
+      </a:ln>
+    </cs:spPr>
+  </cs:downBar>
+  <cs:dropLine>
+    <cs:lnRef idx="0"/>
+    <cs:fillRef idx="0"/>
+    <cs:effectRef idx="0"/>
+    <cs:fontRef idx="minor">
+      <a:schemeClr val="tx1"/>
+    </cs:fontRef>
+    <cs:spPr>
+      <a:ln w="9525" cap="flat" cmpd="sng" algn="ctr">
+        <a:solidFill>
+          <a:schemeClr val="tx1">
+            <a:lumMod val="35000"/>
+            <a:lumOff val="65000"/>
+          </a:schemeClr>
+        </a:solidFill>
+        <a:round/>
+      </a:ln>
+    </cs:spPr>
+  </cs:dropLine>
+  <cs:errorBar>
+    <cs:lnRef idx="0"/>
+    <cs:fillRef idx="0"/>
+    <cs:effectRef idx="0"/>
+    <cs:fontRef idx="minor">
+      <a:schemeClr val="tx1"/>
+    </cs:fontRef>
+    <cs:spPr>
+      <a:ln w="9525" cap="flat" cmpd="sng" algn="ctr">
+        <a:solidFill>
+          <a:schemeClr val="tx1">
+            <a:lumMod val="65000"/>
+            <a:lumOff val="35000"/>
+          </a:schemeClr>
+        </a:solidFill>
+        <a:round/>
+      </a:ln>
+    </cs:spPr>
+  </cs:errorBar>
+  <cs:floor>
+    <cs:lnRef idx="0"/>
+    <cs:fillRef idx="0"/>
+    <cs:effectRef idx="0"/>
+    <cs:fontRef idx="minor">
+      <a:schemeClr val="tx1"/>
+    </cs:fontRef>
+    <cs:spPr>
+      <a:noFill/>
+      <a:ln>
+        <a:noFill/>
+      </a:ln>
+    </cs:spPr>
+  </cs:floor>
+  <cs:gridlineMajor>
+    <cs:lnRef idx="0"/>
+    <cs:fillRef idx="0"/>
+    <cs:effectRef idx="0"/>
+    <cs:fontRef idx="minor">
+      <a:schemeClr val="tx1"/>
+    </cs:fontRef>
+    <cs:spPr>
+      <a:ln w="9525" cap="flat" cmpd="sng" algn="ctr">
+        <a:solidFill>
+          <a:schemeClr val="tx1">
+            <a:lumMod val="15000"/>
+            <a:lumOff val="85000"/>
+          </a:schemeClr>
+        </a:solidFill>
+        <a:round/>
+      </a:ln>
+    </cs:spPr>
+  </cs:gridlineMajor>
+  <cs:gridlineMinor>
+    <cs:lnRef idx="0"/>
+    <cs:fillRef idx="0"/>
+    <cs:effectRef idx="0"/>
+    <cs:fontRef idx="minor">
+      <a:schemeClr val="tx1"/>
+    </cs:fontRef>
+    <cs:spPr>
+      <a:ln w="9525" cap="flat" cmpd="sng" algn="ctr">
+        <a:solidFill>
+          <a:schemeClr val="tx1">
+            <a:lumMod val="5000"/>
+            <a:lumOff val="95000"/>
+          </a:schemeClr>
+        </a:solidFill>
+        <a:round/>
+      </a:ln>
+    </cs:spPr>
+  </cs:gridlineMinor>
+  <cs:hiLoLine>
+    <cs:lnRef idx="0"/>
+    <cs:fillRef idx="0"/>
+    <cs:effectRef idx="0"/>
+    <cs:fontRef idx="minor">
+      <a:schemeClr val="tx1"/>
+    </cs:fontRef>
+    <cs:spPr>
+      <a:ln w="9525" cap="flat" cmpd="sng" algn="ctr">
+        <a:solidFill>
+          <a:schemeClr val="tx1">
+            <a:lumMod val="75000"/>
+            <a:lumOff val="25000"/>
+          </a:schemeClr>
+        </a:solidFill>
+        <a:round/>
+      </a:ln>
+    </cs:spPr>
+  </cs:hiLoLine>
+  <cs:leaderLine>
+    <cs:lnRef idx="0"/>
+    <cs:fillRef idx="0"/>
+    <cs:effectRef idx="0"/>
+    <cs:fontRef idx="minor">
+      <a:schemeClr val="tx1"/>
+    </cs:fontRef>
+    <cs:spPr>
+      <a:ln w="9525" cap="flat" cmpd="sng" algn="ctr">
+        <a:solidFill>
+          <a:schemeClr val="tx1">
+            <a:lumMod val="35000"/>
+            <a:lumOff val="65000"/>
+          </a:schemeClr>
+        </a:solidFill>
+        <a:round/>
+      </a:ln>
+    </cs:spPr>
+  </cs:leaderLine>
+  <cs:legend>
+    <cs:lnRef idx="0"/>
+    <cs:fillRef idx="0"/>
+    <cs:effectRef idx="0"/>
+    <cs:fontRef idx="minor">
+      <a:schemeClr val="tx1">
+        <a:lumMod val="65000"/>
+        <a:lumOff val="35000"/>
+      </a:schemeClr>
+    </cs:fontRef>
+    <cs:defRPr sz="1197" kern="1200"/>
+  </cs:legend>
+  <cs:plotArea mods="allowNoFillOverride allowNoLineOverride">
+    <cs:lnRef idx="0"/>
+    <cs:fillRef idx="0"/>
+    <cs:effectRef idx="0"/>
+    <cs:fontRef idx="minor">
+      <a:schemeClr val="tx1"/>
+    </cs:fontRef>
+  </cs:plotArea>
+  <cs:plotArea3D mods="allowNoFillOverride allowNoLineOverride">
+    <cs:lnRef idx="0"/>
+    <cs:fillRef idx="0"/>
+    <cs:effectRef idx="0"/>
+    <cs:fontRef idx="minor">
+      <a:schemeClr val="tx1"/>
+    </cs:fontRef>
+  </cs:plotArea3D>
+  <cs:seriesAxis>
+    <cs:lnRef idx="0"/>
+    <cs:fillRef idx="0"/>
+    <cs:effectRef idx="0"/>
+    <cs:fontRef idx="minor">
+      <a:schemeClr val="tx1">
+        <a:lumMod val="65000"/>
+        <a:lumOff val="35000"/>
+      </a:schemeClr>
+    </cs:fontRef>
+    <cs:defRPr sz="1197" kern="1200"/>
+  </cs:seriesAxis>
+  <cs:seriesLine>
+    <cs:lnRef idx="0"/>
+    <cs:fillRef idx="0"/>
+    <cs:effectRef idx="0"/>
+    <cs:fontRef idx="minor">
+      <a:schemeClr val="tx1"/>
+    </cs:fontRef>
+    <cs:spPr>
+      <a:ln w="9525" cap="flat" cmpd="sng" algn="ctr">
+        <a:solidFill>
+          <a:schemeClr val="tx1">
+            <a:lumMod val="35000"/>
+            <a:lumOff val="65000"/>
+          </a:schemeClr>
+        </a:solidFill>
+        <a:round/>
+      </a:ln>
+    </cs:spPr>
+  </cs:seriesLine>
+  <cs:title>
+    <cs:lnRef idx="0"/>
+    <cs:fillRef idx="0"/>
+    <cs:effectRef idx="0"/>
+    <cs:fontRef idx="minor">
+      <a:schemeClr val="tx1">
+        <a:lumMod val="65000"/>
+        <a:lumOff val="35000"/>
+      </a:schemeClr>
+    </cs:fontRef>
+    <cs:defRPr sz="1862" b="0" kern="1200" spc="0" baseline="0"/>
+  </cs:title>
+  <cs:trendline>
+    <cs:lnRef idx="0">
+      <cs:styleClr val="auto"/>
+    </cs:lnRef>
+    <cs:fillRef idx="0"/>
+    <cs:effectRef idx="0"/>
+    <cs:fontRef idx="minor">
+      <a:schemeClr val="tx1"/>
+    </cs:fontRef>
+    <cs:spPr>
+      <a:ln w="19050" cap="rnd">
+        <a:solidFill>
+          <a:schemeClr val="phClr"/>
+        </a:solidFill>
+        <a:prstDash val="sysDot"/>
+      </a:ln>
+    </cs:spPr>
+  </cs:trendline>
+  <cs:trendlineLabel>
+    <cs:lnRef idx="0"/>
+    <cs:fillRef idx="0"/>
+    <cs:effectRef idx="0"/>
+    <cs:fontRef idx="minor">
+      <a:schemeClr val="tx1">
+        <a:lumMod val="65000"/>
+        <a:lumOff val="35000"/>
+      </a:schemeClr>
+    </cs:fontRef>
+    <cs:defRPr sz="1197" kern="1200"/>
+  </cs:trendlineLabel>
+  <cs:upBar>
+    <cs:lnRef idx="0"/>
+    <cs:fillRef idx="0"/>
+    <cs:effectRef idx="0"/>
+    <cs:fontRef idx="minor">
+      <a:schemeClr val="dk1"/>
+    </cs:fontRef>
+    <cs:spPr>
+      <a:solidFill>
+        <a:schemeClr val="lt1"/>
+      </a:solidFill>
+      <a:ln w="9525">
+        <a:solidFill>
+          <a:schemeClr val="tx1">
+            <a:lumMod val="15000"/>
+            <a:lumOff val="85000"/>
+          </a:schemeClr>
+        </a:solidFill>
+      </a:ln>
+    </cs:spPr>
+  </cs:upBar>
+  <cs:valueAxis>
+    <cs:lnRef idx="0"/>
+    <cs:fillRef idx="0"/>
+    <cs:effectRef idx="0"/>
+    <cs:fontRef idx="minor">
+      <a:schemeClr val="tx1">
+        <a:lumMod val="65000"/>
+        <a:lumOff val="35000"/>
+      </a:schemeClr>
+    </cs:fontRef>
+    <cs:defRPr sz="1197" kern="1200"/>
+  </cs:valueAxis>
+  <cs:wall>
+    <cs:lnRef idx="0"/>
+    <cs:fillRef idx="0"/>
+    <cs:effectRef idx="0"/>
+    <cs:fontRef idx="minor">
+      <a:schemeClr val="tx1"/>
+    </cs:fontRef>
+    <cs:spPr>
+      <a:noFill/>
+      <a:ln>
+        <a:noFill/>
+      </a:ln>
+    </cs:spPr>
+  </cs:wall>
+</cs:chartStyle>
+</file>
+
+<file path=ppt/charts/style5.xml><?xml version="1.0" encoding="utf-8"?>
 <cs:chartStyle xmlns:cs="http://schemas.microsoft.com/office/drawing/2012/chartStyle" xmlns:a="http://schemas.openxmlformats.org/drawingml/2006/main" id="332">
   <cs:axisTitle>
     <cs:lnRef idx="0"/>
@@ -5201,7 +6264,7 @@
             <a:pPr rtl="0"/>
             <a:fld id="{2CB9AA75-C254-4EC0-AB8F-34B0033E3911}" type="datetime1">
               <a:rPr lang="it-IT" smtClean="0"/>
-              <a:t>22/09/2025</a:t>
+              <a:t>25/09/2025</a:t>
             </a:fld>
             <a:endParaRPr lang="it-IT" dirty="0"/>
           </a:p>
@@ -5382,7 +6445,7 @@
             <a:fld id="{80984F24-0376-46BA-BF8B-C1A1ECC78988}" type="datetime1">
               <a:rPr lang="it-IT" smtClean="0"/>
               <a:pPr/>
-              <a:t>22/09/2025</a:t>
+              <a:t>25/09/2025</a:t>
             </a:fld>
             <a:endParaRPr lang="it-IT" dirty="0"/>
           </a:p>
@@ -5829,7 +6892,7 @@
             <a:pPr rtl="0"/>
             <a:fld id="{8D18E0B9-48E4-499D-93B2-B07D00395BAC}" type="slidenum">
               <a:rPr lang="it-IT" smtClean="0"/>
-              <a:t>14</a:t>
+              <a:t>15</a:t>
             </a:fld>
             <a:endParaRPr lang="it-IT" dirty="0"/>
           </a:p>
@@ -5923,7 +6986,7 @@
             <a:pPr rtl="0"/>
             <a:fld id="{8D18E0B9-48E4-499D-93B2-B07D00395BAC}" type="slidenum">
               <a:rPr lang="it-IT" smtClean="0"/>
-              <a:t>15</a:t>
+              <a:t>16</a:t>
             </a:fld>
             <a:endParaRPr lang="it-IT" dirty="0"/>
           </a:p>
@@ -6017,7 +7080,7 @@
             <a:pPr rtl="0"/>
             <a:fld id="{8D18E0B9-48E4-499D-93B2-B07D00395BAC}" type="slidenum">
               <a:rPr lang="it-IT" smtClean="0"/>
-              <a:t>16</a:t>
+              <a:t>17</a:t>
             </a:fld>
             <a:endParaRPr lang="it-IT" dirty="0"/>
           </a:p>
@@ -6675,7 +7738,7 @@
             <a:pPr rtl="0"/>
             <a:fld id="{8D18E0B9-48E4-499D-93B2-B07D00395BAC}" type="slidenum">
               <a:rPr lang="it-IT" smtClean="0"/>
-              <a:t>10</a:t>
+              <a:t>11</a:t>
             </a:fld>
             <a:endParaRPr lang="it-IT" dirty="0"/>
           </a:p>
@@ -6769,7 +7832,7 @@
             <a:pPr rtl="0"/>
             <a:fld id="{8D18E0B9-48E4-499D-93B2-B07D00395BAC}" type="slidenum">
               <a:rPr lang="it-IT" smtClean="0"/>
-              <a:t>11</a:t>
+              <a:t>12</a:t>
             </a:fld>
             <a:endParaRPr lang="it-IT" dirty="0"/>
           </a:p>
@@ -12754,6 +13817,299 @@
       </p:grpSpPr>
       <p:sp>
         <p:nvSpPr>
+          <p:cNvPr id="2" name="Titolo 1">
+            <a:extLst>
+              <a:ext uri="{FF2B5EF4-FFF2-40B4-BE49-F238E27FC236}">
+                <a16:creationId xmlns:a16="http://schemas.microsoft.com/office/drawing/2014/main" id="{1160EDA7-413B-4AE4-EC73-C515D6E563FA}"/>
+              </a:ext>
+            </a:extLst>
+          </p:cNvPr>
+          <p:cNvSpPr>
+            <a:spLocks noGrp="1"/>
+          </p:cNvSpPr>
+          <p:nvPr>
+            <p:ph type="title"/>
+          </p:nvPr>
+        </p:nvSpPr>
+        <p:spPr/>
+        <p:txBody>
+          <a:bodyPr/>
+          <a:lstStyle/>
+          <a:p>
+            <a:r>
+              <a:rPr lang="it-IT" dirty="0"/>
+              <a:t>Percentuale di collaborazioni internazionali </a:t>
+            </a:r>
+          </a:p>
+        </p:txBody>
+      </p:sp>
+      <p:graphicFrame>
+        <p:nvGraphicFramePr>
+          <p:cNvPr id="8" name="Segnaposto contenuto 7">
+            <a:extLst>
+              <a:ext uri="{FF2B5EF4-FFF2-40B4-BE49-F238E27FC236}">
+                <a16:creationId xmlns:a16="http://schemas.microsoft.com/office/drawing/2014/main" id="{B6406807-A585-CD71-AE85-C57E5D073677}"/>
+              </a:ext>
+            </a:extLst>
+          </p:cNvPr>
+          <p:cNvGraphicFramePr>
+            <a:graphicFrameLocks noGrp="1"/>
+          </p:cNvGraphicFramePr>
+          <p:nvPr>
+            <p:ph sz="quarter" idx="10"/>
+            <p:extLst>
+              <p:ext uri="{D42A27DB-BD31-4B8C-83A1-F6EECF244321}">
+                <p14:modId xmlns:p14="http://schemas.microsoft.com/office/powerpoint/2010/main" val="3553454968"/>
+              </p:ext>
+            </p:extLst>
+          </p:nvPr>
+        </p:nvGraphicFramePr>
+        <p:xfrm>
+          <a:off x="746760" y="1684868"/>
+          <a:ext cx="3733800" cy="4080933"/>
+        </p:xfrm>
+        <a:graphic>
+          <a:graphicData uri="http://schemas.openxmlformats.org/drawingml/2006/chart">
+            <c:chart xmlns:c="http://schemas.openxmlformats.org/drawingml/2006/chart" xmlns:r="http://schemas.openxmlformats.org/officeDocument/2006/relationships" r:id="rId2"/>
+          </a:graphicData>
+        </a:graphic>
+      </p:graphicFrame>
+      <p:sp>
+        <p:nvSpPr>
+          <p:cNvPr id="4" name="Segnaposto contenuto 3">
+            <a:extLst>
+              <a:ext uri="{FF2B5EF4-FFF2-40B4-BE49-F238E27FC236}">
+                <a16:creationId xmlns:a16="http://schemas.microsoft.com/office/drawing/2014/main" id="{6D885CBB-AA97-19BD-F354-53ACB2CF9942}"/>
+              </a:ext>
+            </a:extLst>
+          </p:cNvPr>
+          <p:cNvSpPr>
+            <a:spLocks noGrp="1"/>
+          </p:cNvSpPr>
+          <p:nvPr>
+            <p:ph sz="quarter" idx="11"/>
+          </p:nvPr>
+        </p:nvSpPr>
+        <p:spPr>
+          <a:xfrm>
+            <a:off x="4724400" y="2153285"/>
+            <a:ext cx="6720840" cy="3500438"/>
+          </a:xfrm>
+        </p:spPr>
+        <p:txBody>
+          <a:bodyPr>
+            <a:normAutofit lnSpcReduction="10000"/>
+          </a:bodyPr>
+          <a:lstStyle/>
+          <a:p>
+            <a:r>
+              <a:rPr lang="it-IT" dirty="0">
+                <a:solidFill>
+                  <a:schemeClr val="tx1"/>
+                </a:solidFill>
+              </a:rPr>
+              <a:t>Le grandi categorie come </a:t>
+            </a:r>
+            <a:r>
+              <a:rPr lang="it-IT" b="1" dirty="0" err="1">
+                <a:solidFill>
+                  <a:schemeClr val="tx1"/>
+                </a:solidFill>
+              </a:rPr>
+              <a:t>Nuclear</a:t>
+            </a:r>
+            <a:r>
+              <a:rPr lang="it-IT" b="1" dirty="0">
+                <a:solidFill>
+                  <a:schemeClr val="tx1"/>
+                </a:solidFill>
+              </a:rPr>
+              <a:t> and High Energy </a:t>
+            </a:r>
+            <a:r>
+              <a:rPr lang="it-IT" b="1" dirty="0" err="1">
+                <a:solidFill>
+                  <a:schemeClr val="tx1"/>
+                </a:solidFill>
+              </a:rPr>
+              <a:t>Physics</a:t>
+            </a:r>
+            <a:r>
+              <a:rPr lang="it-IT" dirty="0">
+                <a:solidFill>
+                  <a:schemeClr val="tx1"/>
+                </a:solidFill>
+              </a:rPr>
+              <a:t> mantengono un numero elevato di collaborazioni internazionali (212 su 229, 92.6%).</a:t>
+            </a:r>
+          </a:p>
+          <a:p>
+            <a:r>
+              <a:rPr lang="it-IT" dirty="0">
+                <a:solidFill>
+                  <a:schemeClr val="tx1"/>
+                </a:solidFill>
+              </a:rPr>
+              <a:t>Anche categorie con pochi documenti, come </a:t>
+            </a:r>
+            <a:r>
+              <a:rPr lang="it-IT" b="1" dirty="0">
+                <a:solidFill>
+                  <a:schemeClr val="tx1"/>
+                </a:solidFill>
+              </a:rPr>
+              <a:t>Nature and </a:t>
+            </a:r>
+            <a:r>
+              <a:rPr lang="it-IT" b="1" dirty="0" err="1">
+                <a:solidFill>
+                  <a:schemeClr val="tx1"/>
+                </a:solidFill>
+              </a:rPr>
+              <a:t>Landscape</a:t>
+            </a:r>
+            <a:r>
+              <a:rPr lang="it-IT" b="1" dirty="0">
+                <a:solidFill>
+                  <a:schemeClr val="tx1"/>
+                </a:solidFill>
+              </a:rPr>
+              <a:t> </a:t>
+            </a:r>
+            <a:r>
+              <a:rPr lang="it-IT" b="1" dirty="0" err="1">
+                <a:solidFill>
+                  <a:schemeClr val="tx1"/>
+                </a:solidFill>
+              </a:rPr>
+              <a:t>Conservation</a:t>
+            </a:r>
+            <a:r>
+              <a:rPr lang="it-IT" dirty="0">
+                <a:solidFill>
+                  <a:schemeClr val="tx1"/>
+                </a:solidFill>
+              </a:rPr>
+              <a:t> (12 doc, 10 collaborazioni) o </a:t>
+            </a:r>
+            <a:r>
+              <a:rPr lang="it-IT" b="1" dirty="0" err="1">
+                <a:solidFill>
+                  <a:schemeClr val="tx1"/>
+                </a:solidFill>
+              </a:rPr>
+              <a:t>Transportation</a:t>
+            </a:r>
+            <a:r>
+              <a:rPr lang="it-IT" dirty="0">
+                <a:solidFill>
+                  <a:schemeClr val="tx1"/>
+                </a:solidFill>
+              </a:rPr>
+              <a:t> (29 doc, 23 collaborazioni), mostrano alta percentuale di internazionalità.</a:t>
+            </a:r>
+          </a:p>
+          <a:p>
+            <a:r>
+              <a:rPr lang="it-IT" dirty="0">
+                <a:solidFill>
+                  <a:schemeClr val="tx1"/>
+                </a:solidFill>
+              </a:rPr>
+              <a:t>Alcune categorie con pochi documenti raggiungono il </a:t>
+            </a:r>
+            <a:r>
+              <a:rPr lang="it-IT" b="1" dirty="0">
+                <a:solidFill>
+                  <a:schemeClr val="tx1"/>
+                </a:solidFill>
+              </a:rPr>
+              <a:t>100% di collaborazioni internazionali</a:t>
+            </a:r>
+            <a:r>
+              <a:rPr lang="it-IT" dirty="0">
+                <a:solidFill>
+                  <a:schemeClr val="tx1"/>
+                </a:solidFill>
+              </a:rPr>
+              <a:t>, ma il loro impatto assoluto è piccolo.</a:t>
+            </a:r>
+          </a:p>
+          <a:p>
+            <a:r>
+              <a:rPr lang="it-IT" dirty="0">
+                <a:solidFill>
+                  <a:schemeClr val="tx1"/>
+                </a:solidFill>
+              </a:rPr>
+              <a:t>Confrontare volume e percentuale permette di identificare sia le aree con più collaborazione assoluta sia quelle con maggiore propensione alla collaborazione internazionale.</a:t>
+            </a:r>
+          </a:p>
+        </p:txBody>
+      </p:sp>
+      <p:sp>
+        <p:nvSpPr>
+          <p:cNvPr id="5" name="Segnaposto numero diapositiva 4">
+            <a:extLst>
+              <a:ext uri="{FF2B5EF4-FFF2-40B4-BE49-F238E27FC236}">
+                <a16:creationId xmlns:a16="http://schemas.microsoft.com/office/drawing/2014/main" id="{B00A9DE1-2768-F41D-7FC0-D811FF4F53DF}"/>
+              </a:ext>
+            </a:extLst>
+          </p:cNvPr>
+          <p:cNvSpPr>
+            <a:spLocks noGrp="1"/>
+          </p:cNvSpPr>
+          <p:nvPr>
+            <p:ph type="sldNum" sz="quarter" idx="4"/>
+          </p:nvPr>
+        </p:nvSpPr>
+        <p:spPr/>
+        <p:txBody>
+          <a:bodyPr/>
+          <a:lstStyle/>
+          <a:p>
+            <a:pPr rtl="0"/>
+            <a:fld id="{B5CEABB6-07DC-46E8-9B57-56EC44A396E5}" type="slidenum">
+              <a:rPr lang="it-IT" smtClean="0"/>
+              <a:pPr rtl="0"/>
+              <a:t>10</a:t>
+            </a:fld>
+            <a:endParaRPr lang="it-IT" dirty="0"/>
+          </a:p>
+        </p:txBody>
+      </p:sp>
+    </p:spTree>
+    <p:extLst>
+      <p:ext uri="{BB962C8B-B14F-4D97-AF65-F5344CB8AC3E}">
+        <p14:creationId xmlns:p14="http://schemas.microsoft.com/office/powerpoint/2010/main" val="2634995636"/>
+      </p:ext>
+    </p:extLst>
+  </p:cSld>
+  <p:clrMapOvr>
+    <a:masterClrMapping/>
+  </p:clrMapOvr>
+</p:sld>
+</file>
+
+<file path=ppt/slides/slide11.xml><?xml version="1.0" encoding="utf-8"?>
+<p:sld xmlns:a="http://schemas.openxmlformats.org/drawingml/2006/main" xmlns:r="http://schemas.openxmlformats.org/officeDocument/2006/relationships" xmlns:p="http://schemas.openxmlformats.org/presentationml/2006/main">
+  <p:cSld>
+    <p:spTree>
+      <p:nvGrpSpPr>
+        <p:cNvPr id="1" name=""/>
+        <p:cNvGrpSpPr/>
+        <p:nvPr/>
+      </p:nvGrpSpPr>
+      <p:grpSpPr>
+        <a:xfrm>
+          <a:off x="0" y="0"/>
+          <a:ext cx="0" cy="0"/>
+          <a:chOff x="0" y="0"/>
+          <a:chExt cx="0" cy="0"/>
+        </a:xfrm>
+      </p:grpSpPr>
+      <p:sp>
+        <p:nvSpPr>
           <p:cNvPr id="3" name="Titolo 2">
             <a:extLst>
               <a:ext uri="{FF2B5EF4-FFF2-40B4-BE49-F238E27FC236}">
@@ -12808,8 +14164,8 @@
         </p:nvSpPr>
         <p:spPr>
           <a:xfrm>
-            <a:off x="1096990" y="2301875"/>
-            <a:ext cx="4643410" cy="4022725"/>
+            <a:off x="1096990" y="2216329"/>
+            <a:ext cx="4618010" cy="4108271"/>
           </a:xfrm>
         </p:spPr>
         <p:txBody>
@@ -12979,7 +14335,7 @@
             <a:fld id="{B5CEABB6-07DC-46E8-9B57-56EC44A396E5}" type="slidenum">
               <a:rPr lang="it-IT" smtClean="0"/>
               <a:pPr rtl="0"/>
-              <a:t>10</a:t>
+              <a:t>11</a:t>
             </a:fld>
             <a:endParaRPr lang="it-IT" dirty="0"/>
           </a:p>
@@ -13028,7 +14384,7 @@
         </p:nvSpPr>
         <p:spPr>
           <a:xfrm>
-            <a:off x="1005550" y="1016000"/>
+            <a:off x="944445" y="966185"/>
             <a:ext cx="5090450" cy="1200329"/>
           </a:xfrm>
           <a:prstGeom prst="rect">
@@ -13065,7 +14421,7 @@
 </p:sld>
 </file>
 
-<file path=ppt/slides/slide11.xml><?xml version="1.0" encoding="utf-8"?>
+<file path=ppt/slides/slide12.xml><?xml version="1.0" encoding="utf-8"?>
 <p:sld xmlns:a="http://schemas.openxmlformats.org/drawingml/2006/main" xmlns:r="http://schemas.openxmlformats.org/officeDocument/2006/relationships" xmlns:p="http://schemas.openxmlformats.org/presentationml/2006/main">
   <p:cSld>
     <p:spTree>
@@ -13246,7 +14602,7 @@
             <a:fld id="{B5CEABB6-07DC-46E8-9B57-56EC44A396E5}" type="slidenum">
               <a:rPr lang="it-IT" smtClean="0"/>
               <a:pPr rtl="0"/>
-              <a:t>11</a:t>
+              <a:t>12</a:t>
             </a:fld>
             <a:endParaRPr lang="it-IT" dirty="0"/>
           </a:p>
@@ -13300,7 +14656,7 @@
 </p:sld>
 </file>
 
-<file path=ppt/slides/slide12.xml><?xml version="1.0" encoding="utf-8"?>
+<file path=ppt/slides/slide13.xml><?xml version="1.0" encoding="utf-8"?>
 <p:sld xmlns:a="http://schemas.openxmlformats.org/drawingml/2006/main" xmlns:r="http://schemas.openxmlformats.org/officeDocument/2006/relationships" xmlns:p="http://schemas.openxmlformats.org/presentationml/2006/main">
   <p:cSld>
     <p:spTree>
@@ -13451,7 +14807,7 @@
             <a:fld id="{B5CEABB6-07DC-46E8-9B57-56EC44A396E5}" type="slidenum">
               <a:rPr lang="it-IT" smtClean="0"/>
               <a:pPr rtl="0"/>
-              <a:t>12</a:t>
+              <a:t>13</a:t>
             </a:fld>
             <a:endParaRPr lang="it-IT" dirty="0"/>
           </a:p>
@@ -13982,19 +15338,7 @@
               <a:rPr lang="it-IT" sz="1600" dirty="0">
                 <a:effectLst/>
               </a:rPr>
-              <a:t>, //somma su tutti i doc scritti da </a:t>
-            </a:r>
-            <a:r>
-              <a:rPr lang="it-IT" sz="1600" dirty="0" err="1">
-                <a:effectLst/>
-              </a:rPr>
-              <a:t>utore</a:t>
-            </a:r>
-            <a:r>
-              <a:rPr lang="it-IT" sz="1600" dirty="0">
-                <a:effectLst/>
-              </a:rPr>
-              <a:t> </a:t>
+              <a:t>, //somma su tutti i doc scritti da autore </a:t>
             </a:r>
           </a:p>
           <a:p>
@@ -14228,7 +15572,7 @@
 </p:sld>
 </file>
 
-<file path=ppt/slides/slide13.xml><?xml version="1.0" encoding="utf-8"?>
+<file path=ppt/slides/slide14.xml><?xml version="1.0" encoding="utf-8"?>
 <p:sld xmlns:a="http://schemas.openxmlformats.org/drawingml/2006/main" xmlns:r="http://schemas.openxmlformats.org/officeDocument/2006/relationships" xmlns:p="http://schemas.openxmlformats.org/presentationml/2006/main">
   <p:cSld>
     <p:spTree>
@@ -14329,7 +15673,7 @@
             <a:fld id="{B5CEABB6-07DC-46E8-9B57-56EC44A396E5}" type="slidenum">
               <a:rPr lang="it-IT" smtClean="0"/>
               <a:pPr rtl="0"/>
-              <a:t>13</a:t>
+              <a:t>14</a:t>
             </a:fld>
             <a:endParaRPr lang="it-IT" dirty="0"/>
           </a:p>
@@ -14385,7 +15729,7 @@
             </a:r>
             <a:r>
               <a:rPr lang="it-IT" dirty="0"/>
-              <a:t> (Medicina, </a:t>
+              <a:t> (General Medicine, General </a:t>
             </a:r>
             <a:r>
               <a:rPr lang="it-IT" dirty="0" err="1"/>
@@ -14459,7 +15803,7 @@
 </p:sld>
 </file>
 
-<file path=ppt/slides/slide14.xml><?xml version="1.0" encoding="utf-8"?>
+<file path=ppt/slides/slide15.xml><?xml version="1.0" encoding="utf-8"?>
 <p:sld xmlns:a="http://schemas.openxmlformats.org/drawingml/2006/main" xmlns:r="http://schemas.openxmlformats.org/officeDocument/2006/relationships" xmlns:p="http://schemas.openxmlformats.org/presentationml/2006/main">
   <p:cSld>
     <p:spTree>
@@ -14532,13 +15876,13 @@
         </p:nvSpPr>
         <p:spPr>
           <a:xfrm>
-            <a:off x="929641" y="2153285"/>
-            <a:ext cx="9954259" cy="3790310"/>
+            <a:off x="929641" y="2057400"/>
+            <a:ext cx="9954259" cy="3886195"/>
           </a:xfrm>
         </p:spPr>
         <p:txBody>
           <a:bodyPr rtlCol="0">
-            <a:normAutofit/>
+            <a:normAutofit fontScale="85000" lnSpcReduction="10000"/>
           </a:bodyPr>
           <a:lstStyle>
             <a:defPPr>
@@ -14560,16 +15904,48 @@
                   <a:schemeClr val="tx1"/>
                 </a:solidFill>
               </a:rPr>
-              <a:t> mostra punti di forza nelle scienze mediche e ingegneristiche, con reti produttive e collaborative. </a:t>
-            </a:r>
-          </a:p>
-          <a:p>
+              <a:t> mostra </a:t>
+            </a:r>
+            <a:r>
+              <a:rPr lang="it-IT" sz="2000" b="1" dirty="0">
+                <a:solidFill>
+                  <a:schemeClr val="tx1"/>
+                </a:solidFill>
+              </a:rPr>
+              <a:t>punti di forza</a:t>
+            </a:r>
             <a:r>
               <a:rPr lang="it-IT" sz="2000" dirty="0">
                 <a:solidFill>
                   <a:schemeClr val="tx1"/>
                 </a:solidFill>
               </a:rPr>
+              <a:t> nelle scienze </a:t>
+            </a:r>
+            <a:r>
+              <a:rPr lang="it-IT" sz="2000" b="1" dirty="0">
+                <a:solidFill>
+                  <a:schemeClr val="tx1"/>
+                </a:solidFill>
+              </a:rPr>
+              <a:t>mediche, fisiche e ingegneristiche</a:t>
+            </a:r>
+            <a:r>
+              <a:rPr lang="it-IT" sz="2000" dirty="0">
+                <a:solidFill>
+                  <a:schemeClr val="tx1"/>
+                </a:solidFill>
+              </a:rPr>
+              <a:t>, con reti produttive e collaborative. </a:t>
+            </a:r>
+          </a:p>
+          <a:p>
+            <a:r>
+              <a:rPr lang="it-IT" sz="2000" dirty="0">
+                <a:solidFill>
+                  <a:schemeClr val="tx1"/>
+                </a:solidFill>
+              </a:rPr>
               <a:t>Le collaborazioni internazionali rafforzano l’impatto nelle aree tecniche, mentre la medicina coinvolge molti autori, soprattutto a livello locale.</a:t>
             </a:r>
           </a:p>
@@ -14580,7 +15956,7 @@
                   <a:schemeClr val="tx1"/>
                 </a:solidFill>
               </a:rPr>
-              <a:t>Sfruttare queste differenze può guidare </a:t>
+              <a:t>Alcune categorie, pur con pochi documenti, raggiungono alte percentuali di collaborazioni internazionali, mentre altre, con elevata produzione, mantengono comunque alta </a:t>
             </a:r>
             <a:r>
               <a:rPr lang="it-IT" sz="2000" b="1" dirty="0">
@@ -14588,7 +15964,7 @@
                   <a:schemeClr val="tx1"/>
                 </a:solidFill>
               </a:rPr>
-              <a:t>strategie di partnership </a:t>
+              <a:t>internazionalità</a:t>
             </a:r>
             <a:r>
               <a:rPr lang="it-IT" sz="2000" dirty="0">
@@ -14596,7 +15972,17 @@
                   <a:schemeClr val="tx1"/>
                 </a:solidFill>
               </a:rPr>
-              <a:t>e pianificazione scientifica, supportata dall’utilizzo e dall’analisi del </a:t>
+              <a:t>.   </a:t>
+            </a:r>
+          </a:p>
+          <a:p>
+            <a:r>
+              <a:rPr lang="it-IT" sz="2000" dirty="0">
+                <a:solidFill>
+                  <a:schemeClr val="tx1"/>
+                </a:solidFill>
+              </a:rPr>
+              <a:t>Sfruttare queste differenze, insieme all’impatto scientifico misurato tramite citazioni e H-index degli autori, può guidare strategie di partnership e pianificazione scientifica, supportata dall’analisi del </a:t>
             </a:r>
             <a:r>
               <a:rPr lang="it-IT" sz="2000" b="1" dirty="0">
@@ -14624,16 +16010,45 @@
             </a:r>
           </a:p>
           <a:p>
-            <a:pPr marL="0" indent="0">
-              <a:buNone/>
-            </a:pPr>
-            <a:endParaRPr lang="it-IT" sz="2000" dirty="0">
-              <a:solidFill>
-                <a:schemeClr val="tx1"/>
-              </a:solidFill>
-            </a:endParaRPr>
-          </a:p>
-          <a:p>
+            <a:r>
+              <a:rPr lang="it-IT" sz="2000" dirty="0" err="1">
+                <a:solidFill>
+                  <a:schemeClr val="tx1"/>
+                </a:solidFill>
+              </a:rPr>
+              <a:t>UNIMORE</a:t>
+            </a:r>
+            <a:r>
+              <a:rPr lang="it-IT" sz="2000" dirty="0">
+                <a:solidFill>
+                  <a:schemeClr val="tx1"/>
+                </a:solidFill>
+              </a:rPr>
+              <a:t> può valorizzare sia categorie con molte pubblicazioni e collaborazioni totali, strategiche per produzione e influenza complessiva, sia categorie più piccole con alta propensione alla collaborazione internazionale, sfruttandone il potenziale di </a:t>
+            </a:r>
+            <a:r>
+              <a:rPr lang="it-IT" sz="2000" b="1" dirty="0">
+                <a:solidFill>
+                  <a:schemeClr val="tx1"/>
+                </a:solidFill>
+              </a:rPr>
+              <a:t>visibilità globale</a:t>
+            </a:r>
+            <a:r>
+              <a:rPr lang="it-IT" sz="2000" dirty="0">
+                <a:solidFill>
+                  <a:schemeClr val="tx1"/>
+                </a:solidFill>
+              </a:rPr>
+              <a:t>.</a:t>
+            </a:r>
+            <a:br>
+              <a:rPr lang="it-IT" sz="2000" dirty="0">
+                <a:solidFill>
+                  <a:schemeClr val="tx1"/>
+                </a:solidFill>
+              </a:rPr>
+            </a:br>
             <a:endParaRPr lang="it-IT" sz="2000" dirty="0">
               <a:solidFill>
                 <a:schemeClr val="tx1"/>
@@ -14676,7 +16091,7 @@
             <a:fld id="{B5CEABB6-07DC-46E8-9B57-56EC44A396E5}" type="slidenum">
               <a:rPr lang="it-IT" smtClean="0"/>
               <a:pPr rtl="0"/>
-              <a:t>14</a:t>
+              <a:t>15</a:t>
             </a:fld>
             <a:endParaRPr lang="it-IT" dirty="0"/>
           </a:p>
@@ -14695,7 +16110,7 @@
 </p:sld>
 </file>
 
-<file path=ppt/slides/slide15.xml><?xml version="1.0" encoding="utf-8"?>
+<file path=ppt/slides/slide16.xml><?xml version="1.0" encoding="utf-8"?>
 <p:sld xmlns:a="http://schemas.openxmlformats.org/drawingml/2006/main" xmlns:r="http://schemas.openxmlformats.org/officeDocument/2006/relationships" xmlns:p="http://schemas.openxmlformats.org/presentationml/2006/main">
   <p:cSld>
     <p:spTree>
@@ -14833,7 +16248,7 @@
             <a:fld id="{B5CEABB6-07DC-46E8-9B57-56EC44A396E5}" type="slidenum">
               <a:rPr lang="it-IT" smtClean="0"/>
               <a:pPr rtl="0"/>
-              <a:t>15</a:t>
+              <a:t>16</a:t>
             </a:fld>
             <a:endParaRPr lang="it-IT" dirty="0"/>
           </a:p>
@@ -14931,7 +16346,7 @@
 </p:sld>
 </file>
 
-<file path=ppt/slides/slide16.xml><?xml version="1.0" encoding="utf-8"?>
+<file path=ppt/slides/slide17.xml><?xml version="1.0" encoding="utf-8"?>
 <p:sld xmlns:a="http://schemas.openxmlformats.org/drawingml/2006/main" xmlns:r="http://schemas.openxmlformats.org/officeDocument/2006/relationships" xmlns:p="http://schemas.openxmlformats.org/presentationml/2006/main">
   <p:cSld>
     <p:spTree>
@@ -15072,7 +16487,7 @@
                   <a:schemeClr val="tx1"/>
                 </a:solidFill>
               </a:rPr>
-              <a:t>Studio dell’evoluzione temporale delle aree.</a:t>
+              <a:t>Studio dell’evoluzione temporale.</a:t>
             </a:r>
           </a:p>
           <a:p>
@@ -15243,7 +16658,7 @@
                   <a:schemeClr val="tx1"/>
                 </a:solidFill>
               </a:rPr>
-              <a:t>Questi dati aiutano a guidare strategie scientifiche e partnership nazionali e internazionali.</a:t>
+              <a:t>Questi dati aiutano a guidare strategie e partnership nazionali e internazionali.</a:t>
             </a:r>
           </a:p>
         </p:txBody>
@@ -17017,12 +18432,12 @@
                         <a:buNone/>
                       </a:pPr>
                       <a:r>
-                        <a:rPr lang="en-US" sz="800">
+                        <a:rPr lang="en-US" sz="800" dirty="0">
                           <a:effectLst/>
                         </a:rPr>
                         <a:t>Number of Publications</a:t>
                       </a:r>
-                      <a:endParaRPr lang="it-IT" sz="800" b="1">
+                      <a:endParaRPr lang="it-IT" sz="800" b="1" dirty="0">
                         <a:effectLst/>
                         <a:latin typeface="Times New Roman" panose="02020603050405020304" pitchFamily="18" charset="0"/>
                         <a:ea typeface="SimSun" panose="02010600030101010101" pitchFamily="2" charset="-122"/>
@@ -18899,17 +20314,7 @@
                   <a:schemeClr val="tx1"/>
                 </a:solidFill>
               </a:rPr>
-              <a:t>La query calcola quante  aree di ricerca diverse sono coinvolte tra co-autori.</a:t>
-            </a:r>
-          </a:p>
-          <a:p>
-            <a:r>
-              <a:rPr lang="it-IT" sz="1400" dirty="0">
-                <a:solidFill>
-                  <a:schemeClr val="tx1"/>
-                </a:solidFill>
-              </a:rPr>
-              <a:t>Solo </a:t>
+              <a:t>La query calcola quante  aree di ricerca diverse sono coinvolte tra co-autori. Solo </a:t>
             </a:r>
             <a:r>
               <a:rPr lang="it-IT" sz="1400" dirty="0" err="1">
@@ -19205,7 +20610,38 @@
                 <a:ea typeface="Times New Roman" panose="02020603050405020304" pitchFamily="18" charset="0"/>
                 <a:cs typeface="Times New Roman" panose="02020603050405020304" pitchFamily="18" charset="0"/>
               </a:rPr>
-              <a:t>)MATCH (d)-[:</a:t>
+              <a:t>) </a:t>
+            </a:r>
+          </a:p>
+          <a:p>
+            <a:pPr>
+              <a:lnSpc>
+                <a:spcPct val="120000"/>
+              </a:lnSpc>
+              <a:spcAft>
+                <a:spcPts val="800"/>
+              </a:spcAft>
+              <a:buNone/>
+            </a:pPr>
+            <a:r>
+              <a:rPr lang="it-IT" sz="3400" kern="0" dirty="0">
+                <a:solidFill>
+                  <a:srgbClr val="92D050"/>
+                </a:solidFill>
+                <a:ea typeface="Times New Roman" panose="02020603050405020304" pitchFamily="18" charset="0"/>
+                <a:cs typeface="Times New Roman" panose="02020603050405020304" pitchFamily="18" charset="0"/>
+              </a:rPr>
+              <a:t>match</a:t>
+            </a:r>
+            <a:r>
+              <a:rPr lang="it-IT" sz="3400" kern="0" dirty="0">
+                <a:solidFill>
+                  <a:schemeClr val="tx1"/>
+                </a:solidFill>
+                <a:ea typeface="Times New Roman" panose="02020603050405020304" pitchFamily="18" charset="0"/>
+                <a:cs typeface="Times New Roman" panose="02020603050405020304" pitchFamily="18" charset="0"/>
+              </a:rPr>
+              <a:t> (d)-[:</a:t>
             </a:r>
             <a:r>
               <a:rPr lang="it-IT" sz="3400" kern="0" dirty="0" err="1">
@@ -19707,7 +21143,7 @@
         </p:nvSpPr>
         <p:spPr>
           <a:xfrm>
-            <a:off x="6187440" y="4767035"/>
+            <a:off x="6187440" y="4949597"/>
             <a:ext cx="5257800" cy="1354217"/>
           </a:xfrm>
           <a:prstGeom prst="rect">
